--- a/Data Science Certification Capstone Atlanta Suburb Study.pptx
+++ b/Data Science Certification Capstone Atlanta Suburb Study.pptx
@@ -114,6 +114,11 @@
       </a:defRPr>
     </a:lvl9pPr>
   </p:defaultTextStyle>
+  <p:extLst>
+    <p:ext uri="{EFAFB233-063F-42B5-8137-9DF3F51BA10A}">
+      <p15:sldGuideLst xmlns:p15="http://schemas.microsoft.com/office/powerpoint/2012/main"/>
+    </p:ext>
+  </p:extLst>
 </p:presentation>
 </file>
 
@@ -6578,7 +6583,7 @@
             </a:pPr>
             <a:r>
               <a:rPr lang="en-US" dirty="0"/>
-              <a:t> We can also conclude that American, Mexican and Pizza can be a success regardless of distance to the town center.  </a:t>
+              <a:t>We can also conclude that American, Mexican and Pizza can be a success regardless of distance to the town center.  </a:t>
             </a:r>
           </a:p>
           <a:p>
@@ -7063,7 +7068,7 @@
             </a:pPr>
             <a:r>
               <a:rPr lang="en-US" dirty="0"/>
-              <a:t>We will be identifying each town center’s GPS location and then evaluate the restaurants within 2000m of the known town center.   2000m should capture the restaurants within walking distance of the town centers.  Googles Geocoding API will be used for identifying the established latitude and longitude of each town center.  </a:t>
+              <a:t>We identified each town center’s GPS location and then evaluated the restaurants at 1000m, 2000m and 3000m from the known town centers.   2000m should capture the restaurants within walking distance of the town centers.  Googles Geocoding API will be used for identifying the established latitude and longitude of each town center.  </a:t>
             </a:r>
           </a:p>
           <a:p>
@@ -7257,7 +7262,7 @@
             </a:pPr>
             <a:r>
               <a:rPr lang="en-US" dirty="0"/>
-              <a:t>We then evaluated the type and number of food venues to determine how many of each were in each suburb and also type of numbers of venues in all the suburbs combined.</a:t>
+              <a:t>We then evaluated the type and number of food venues to determine how many of each were in each suburb.</a:t>
             </a:r>
           </a:p>
           <a:p>
@@ -7293,7 +7298,7 @@
             </a:pPr>
             <a:r>
               <a:rPr lang="en-US" dirty="0"/>
-              <a:t>In order to illustrate the results, we created 3 word clouds, 1 for evaluation of varying distances from the town center.</a:t>
+              <a:t>In order to illustrate the results, we created 3 word clouds to evaluate varying distances from the town center.</a:t>
             </a:r>
           </a:p>
           <a:p>
@@ -7828,7 +7833,7 @@
             </a:pPr>
             <a:r>
               <a:rPr lang="en-US" dirty="0"/>
-              <a:t>Our initial study at 1000 meters from town centers, we found that the most common venues were </a:t>
+              <a:t>In our initial study at 1000 meters from town centers, we found that the most common venues were </a:t>
             </a:r>
             <a:r>
               <a:rPr lang="en-US" b="1" dirty="0"/>
@@ -8006,7 +8011,7 @@
             </a:r>
             <a:r>
               <a:rPr lang="en-US" dirty="0"/>
-              <a:t> restaurant the farther you go from town centers.</a:t>
+              <a:t> restaurants the farther you go from town centers.</a:t>
             </a:r>
           </a:p>
           <a:p>
